--- a/Project Resources/Global Banking Fraud Detection & Risk Analysis Presentation.pptx
+++ b/Project Resources/Global Banking Fraud Detection & Risk Analysis Presentation.pptx
@@ -140,16 +140,24 @@
   <pc:docChgLst>
     <pc:chgData name="Garv ." userId="517ebc9b-5a76-4003-9b3c-a98d08664bbd" providerId="ADAL" clId="{F659861F-A15D-5394-9866-47331A7A7B4B}"/>
     <pc:docChg chg="undo redo custSel addSld modSld">
-      <pc:chgData name="Garv ." userId="517ebc9b-5a76-4003-9b3c-a98d08664bbd" providerId="ADAL" clId="{F659861F-A15D-5394-9866-47331A7A7B4B}" dt="2025-12-20T04:15:54.332" v="9146"/>
+      <pc:chgData name="Garv ." userId="517ebc9b-5a76-4003-9b3c-a98d08664bbd" providerId="ADAL" clId="{F659861F-A15D-5394-9866-47331A7A7B4B}" dt="2025-12-21T00:53:47.987" v="9155" actId="14100"/>
       <pc:docMkLst>
         <pc:docMk/>
       </pc:docMkLst>
-      <pc:sldChg chg="modTransition">
-        <pc:chgData name="Garv ." userId="517ebc9b-5a76-4003-9b3c-a98d08664bbd" providerId="ADAL" clId="{F659861F-A15D-5394-9866-47331A7A7B4B}" dt="2025-12-20T04:14:31.666" v="9123"/>
+      <pc:sldChg chg="modSp mod modTransition">
+        <pc:chgData name="Garv ." userId="517ebc9b-5a76-4003-9b3c-a98d08664bbd" providerId="ADAL" clId="{F659861F-A15D-5394-9866-47331A7A7B4B}" dt="2025-12-21T00:53:47.987" v="9155" actId="14100"/>
         <pc:sldMkLst>
           <pc:docMk/>
           <pc:sldMk cId="294098445" sldId="256"/>
         </pc:sldMkLst>
+        <pc:spChg chg="mod">
+          <ac:chgData name="Garv ." userId="517ebc9b-5a76-4003-9b3c-a98d08664bbd" providerId="ADAL" clId="{F659861F-A15D-5394-9866-47331A7A7B4B}" dt="2025-12-21T00:53:47.987" v="9155" actId="14100"/>
+          <ac:spMkLst>
+            <pc:docMk/>
+            <pc:sldMk cId="294098445" sldId="256"/>
+            <ac:spMk id="5" creationId="{C41FC603-A676-A566-1B81-7E094E492FF4}"/>
+          </ac:spMkLst>
+        </pc:spChg>
       </pc:sldChg>
       <pc:sldChg chg="modTransition">
         <pc:chgData name="Garv ." userId="517ebc9b-5a76-4003-9b3c-a98d08664bbd" providerId="ADAL" clId="{F659861F-A15D-5394-9866-47331A7A7B4B}" dt="2025-12-20T04:14:53.432" v="9130"/>
@@ -239,14 +247,6 @@
             <ac:spMk id="3" creationId="{DC8C6A0F-AD84-A6BA-D0FC-41428439EEF3}"/>
           </ac:spMkLst>
         </pc:spChg>
-        <pc:spChg chg="add">
-          <ac:chgData name="Garv ." userId="517ebc9b-5a76-4003-9b3c-a98d08664bbd" providerId="ADAL" clId="{F659861F-A15D-5394-9866-47331A7A7B4B}" dt="2025-12-19T22:18:59.189" v="1073"/>
-          <ac:spMkLst>
-            <pc:docMk/>
-            <pc:sldMk cId="1674953985" sldId="263"/>
-            <ac:spMk id="4" creationId="{1E2767CC-7FFE-D84C-C577-686191F0CD2A}"/>
-          </ac:spMkLst>
-        </pc:spChg>
       </pc:sldChg>
       <pc:sldChg chg="addSp delSp modSp new mod modTransition setBg">
         <pc:chgData name="Garv ." userId="517ebc9b-5a76-4003-9b3c-a98d08664bbd" providerId="ADAL" clId="{F659861F-A15D-5394-9866-47331A7A7B4B}" dt="2025-12-20T04:15:31.015" v="9140"/>
@@ -270,22 +270,6 @@
             <ac:spMk id="3" creationId="{5AD7D877-273A-2C32-A25E-309BF2DD96F3}"/>
           </ac:spMkLst>
         </pc:spChg>
-        <pc:spChg chg="add mod">
-          <ac:chgData name="Garv ." userId="517ebc9b-5a76-4003-9b3c-a98d08664bbd" providerId="ADAL" clId="{F659861F-A15D-5394-9866-47331A7A7B4B}" dt="2025-12-19T22:04:28.544" v="1036" actId="767"/>
-          <ac:spMkLst>
-            <pc:docMk/>
-            <pc:sldMk cId="2080373582" sldId="264"/>
-            <ac:spMk id="6" creationId="{A6B74219-8F43-0C6D-A8D5-DDE68951EA2B}"/>
-          </ac:spMkLst>
-        </pc:spChg>
-        <pc:picChg chg="add mod">
-          <ac:chgData name="Garv ." userId="517ebc9b-5a76-4003-9b3c-a98d08664bbd" providerId="ADAL" clId="{F659861F-A15D-5394-9866-47331A7A7B4B}" dt="2025-12-19T22:04:30.234" v="1044" actId="931"/>
-          <ac:picMkLst>
-            <pc:docMk/>
-            <pc:sldMk cId="2080373582" sldId="264"/>
-            <ac:picMk id="5" creationId="{618F1A1A-ACD6-1737-63EE-99219D3BF37B}"/>
-          </ac:picMkLst>
-        </pc:picChg>
         <pc:picChg chg="add mod">
           <ac:chgData name="Garv ." userId="517ebc9b-5a76-4003-9b3c-a98d08664bbd" providerId="ADAL" clId="{F659861F-A15D-5394-9866-47331A7A7B4B}" dt="2025-12-20T03:49:27.714" v="7423" actId="1076"/>
           <ac:picMkLst>
@@ -317,326 +301,6 @@
             <ac:spMk id="3" creationId="{944A0FCD-F4CC-46B4-AB90-DF08A0C554F4}"/>
           </ac:spMkLst>
         </pc:spChg>
-        <pc:spChg chg="add del">
-          <ac:chgData name="Garv ." userId="517ebc9b-5a76-4003-9b3c-a98d08664bbd" providerId="ADAL" clId="{F659861F-A15D-5394-9866-47331A7A7B4B}" dt="2025-12-19T23:06:35.322" v="2840" actId="26606"/>
-          <ac:spMkLst>
-            <pc:docMk/>
-            <pc:sldMk cId="3572818827" sldId="265"/>
-            <ac:spMk id="7" creationId="{E9D11FD5-487C-4A6B-836F-3831DC830FB7}"/>
-          </ac:spMkLst>
-        </pc:spChg>
-        <pc:spChg chg="add del">
-          <ac:chgData name="Garv ." userId="517ebc9b-5a76-4003-9b3c-a98d08664bbd" providerId="ADAL" clId="{F659861F-A15D-5394-9866-47331A7A7B4B}" dt="2025-12-19T23:06:35.322" v="2840" actId="26606"/>
-          <ac:spMkLst>
-            <pc:docMk/>
-            <pc:sldMk cId="3572818827" sldId="265"/>
-            <ac:spMk id="8" creationId="{99765169-F70D-4841-BE65-62E10CBED84D}"/>
-          </ac:spMkLst>
-        </pc:spChg>
-        <pc:spChg chg="add del">
-          <ac:chgData name="Garv ." userId="517ebc9b-5a76-4003-9b3c-a98d08664bbd" providerId="ADAL" clId="{F659861F-A15D-5394-9866-47331A7A7B4B}" dt="2025-12-19T23:06:41.706" v="2842" actId="26606"/>
-          <ac:spMkLst>
-            <pc:docMk/>
-            <pc:sldMk cId="3572818827" sldId="265"/>
-            <ac:spMk id="9" creationId="{7A5FC171-5EF1-470A-B19B-DB937973D2A7}"/>
-          </ac:spMkLst>
-        </pc:spChg>
-        <pc:spChg chg="add del">
-          <ac:chgData name="Garv ." userId="517ebc9b-5a76-4003-9b3c-a98d08664bbd" providerId="ADAL" clId="{F659861F-A15D-5394-9866-47331A7A7B4B}" dt="2025-12-19T23:05:46.208" v="2828" actId="26606"/>
-          <ac:spMkLst>
-            <pc:docMk/>
-            <pc:sldMk cId="3572818827" sldId="265"/>
-            <ac:spMk id="10" creationId="{35879851-1A1D-4246-AAA1-C484E858337D}"/>
-          </ac:spMkLst>
-        </pc:spChg>
-        <pc:spChg chg="add del">
-          <ac:chgData name="Garv ." userId="517ebc9b-5a76-4003-9b3c-a98d08664bbd" providerId="ADAL" clId="{F659861F-A15D-5394-9866-47331A7A7B4B}" dt="2025-12-19T23:06:35.322" v="2840" actId="26606"/>
-          <ac:spMkLst>
-            <pc:docMk/>
-            <pc:sldMk cId="3572818827" sldId="265"/>
-            <ac:spMk id="14" creationId="{2A2CC818-8106-45C0-93D5-7051F99F2C81}"/>
-          </ac:spMkLst>
-        </pc:spChg>
-        <pc:spChg chg="add del">
-          <ac:chgData name="Garv ." userId="517ebc9b-5a76-4003-9b3c-a98d08664bbd" providerId="ADAL" clId="{F659861F-A15D-5394-9866-47331A7A7B4B}" dt="2025-12-19T23:05:57.146" v="2830" actId="26606"/>
-          <ac:spMkLst>
-            <pc:docMk/>
-            <pc:sldMk cId="3572818827" sldId="265"/>
-            <ac:spMk id="25" creationId="{7A5FC171-5EF1-470A-B19B-DB937973D2A7}"/>
-          </ac:spMkLst>
-        </pc:spChg>
-        <pc:spChg chg="add del">
-          <ac:chgData name="Garv ." userId="517ebc9b-5a76-4003-9b3c-a98d08664bbd" providerId="ADAL" clId="{F659861F-A15D-5394-9866-47331A7A7B4B}" dt="2025-12-19T23:05:57.146" v="2830" actId="26606"/>
-          <ac:spMkLst>
-            <pc:docMk/>
-            <pc:sldMk cId="3572818827" sldId="265"/>
-            <ac:spMk id="40" creationId="{685D77DF-610F-4D0F-A3D2-4FBBC96640E4}"/>
-          </ac:spMkLst>
-        </pc:spChg>
-        <pc:spChg chg="add del">
-          <ac:chgData name="Garv ." userId="517ebc9b-5a76-4003-9b3c-a98d08664bbd" providerId="ADAL" clId="{F659861F-A15D-5394-9866-47331A7A7B4B}" dt="2025-12-19T23:05:57.146" v="2830" actId="26606"/>
-          <ac:spMkLst>
-            <pc:docMk/>
-            <pc:sldMk cId="3572818827" sldId="265"/>
-            <ac:spMk id="42" creationId="{2513384B-399F-47B1-9ABD-172607AA4E6E}"/>
-          </ac:spMkLst>
-        </pc:spChg>
-        <pc:spChg chg="add del">
-          <ac:chgData name="Garv ." userId="517ebc9b-5a76-4003-9b3c-a98d08664bbd" providerId="ADAL" clId="{F659861F-A15D-5394-9866-47331A7A7B4B}" dt="2025-12-19T23:06:41.706" v="2842" actId="26606"/>
-          <ac:spMkLst>
-            <pc:docMk/>
-            <pc:sldMk cId="3572818827" sldId="265"/>
-            <ac:spMk id="43" creationId="{685D77DF-610F-4D0F-A3D2-4FBBC96640E4}"/>
-          </ac:spMkLst>
-        </pc:spChg>
-        <pc:spChg chg="add del">
-          <ac:chgData name="Garv ." userId="517ebc9b-5a76-4003-9b3c-a98d08664bbd" providerId="ADAL" clId="{F659861F-A15D-5394-9866-47331A7A7B4B}" dt="2025-12-19T23:06:00.192" v="2832" actId="26606"/>
-          <ac:spMkLst>
-            <pc:docMk/>
-            <pc:sldMk cId="3572818827" sldId="265"/>
-            <ac:spMk id="44" creationId="{7A5FC171-5EF1-470A-B19B-DB937973D2A7}"/>
-          </ac:spMkLst>
-        </pc:spChg>
-        <pc:spChg chg="add del">
-          <ac:chgData name="Garv ." userId="517ebc9b-5a76-4003-9b3c-a98d08664bbd" providerId="ADAL" clId="{F659861F-A15D-5394-9866-47331A7A7B4B}" dt="2025-12-19T23:06:00.192" v="2832" actId="26606"/>
-          <ac:spMkLst>
-            <pc:docMk/>
-            <pc:sldMk cId="3572818827" sldId="265"/>
-            <ac:spMk id="45" creationId="{685D77DF-610F-4D0F-A3D2-4FBBC96640E4}"/>
-          </ac:spMkLst>
-        </pc:spChg>
-        <pc:spChg chg="add del">
-          <ac:chgData name="Garv ." userId="517ebc9b-5a76-4003-9b3c-a98d08664bbd" providerId="ADAL" clId="{F659861F-A15D-5394-9866-47331A7A7B4B}" dt="2025-12-19T23:06:00.192" v="2832" actId="26606"/>
-          <ac:spMkLst>
-            <pc:docMk/>
-            <pc:sldMk cId="3572818827" sldId="265"/>
-            <ac:spMk id="46" creationId="{2513384B-399F-47B1-9ABD-172607AA4E6E}"/>
-          </ac:spMkLst>
-        </pc:spChg>
-        <pc:spChg chg="add del">
-          <ac:chgData name="Garv ." userId="517ebc9b-5a76-4003-9b3c-a98d08664bbd" providerId="ADAL" clId="{F659861F-A15D-5394-9866-47331A7A7B4B}" dt="2025-12-19T23:06:41.706" v="2842" actId="26606"/>
-          <ac:spMkLst>
-            <pc:docMk/>
-            <pc:sldMk cId="3572818827" sldId="265"/>
-            <ac:spMk id="47" creationId="{2513384B-399F-47B1-9ABD-172607AA4E6E}"/>
-          </ac:spMkLst>
-        </pc:spChg>
-        <pc:spChg chg="add del">
-          <ac:chgData name="Garv ." userId="517ebc9b-5a76-4003-9b3c-a98d08664bbd" providerId="ADAL" clId="{F659861F-A15D-5394-9866-47331A7A7B4B}" dt="2025-12-19T23:06:03.976" v="2834" actId="26606"/>
-          <ac:spMkLst>
-            <pc:docMk/>
-            <pc:sldMk cId="3572818827" sldId="265"/>
-            <ac:spMk id="48" creationId="{A5A47686-9FEE-4CF5-850A-81E28E6AA48D}"/>
-          </ac:spMkLst>
-        </pc:spChg>
-        <pc:spChg chg="add del">
-          <ac:chgData name="Garv ." userId="517ebc9b-5a76-4003-9b3c-a98d08664bbd" providerId="ADAL" clId="{F659861F-A15D-5394-9866-47331A7A7B4B}" dt="2025-12-19T23:41:46.448" v="4318" actId="26606"/>
-          <ac:spMkLst>
-            <pc:docMk/>
-            <pc:sldMk cId="3572818827" sldId="265"/>
-            <ac:spMk id="54" creationId="{35879851-1A1D-4246-AAA1-C484E858337D}"/>
-          </ac:spMkLst>
-        </pc:spChg>
-        <pc:spChg chg="add del">
-          <ac:chgData name="Garv ." userId="517ebc9b-5a76-4003-9b3c-a98d08664bbd" providerId="ADAL" clId="{F659861F-A15D-5394-9866-47331A7A7B4B}" dt="2025-12-19T23:42:04.996" v="4324" actId="26606"/>
-          <ac:spMkLst>
-            <pc:docMk/>
-            <pc:sldMk cId="3572818827" sldId="265"/>
-            <ac:spMk id="56" creationId="{7A5FC171-5EF1-470A-B19B-DB937973D2A7}"/>
-          </ac:spMkLst>
-        </pc:spChg>
-        <pc:spChg chg="add del">
-          <ac:chgData name="Garv ." userId="517ebc9b-5a76-4003-9b3c-a98d08664bbd" providerId="ADAL" clId="{F659861F-A15D-5394-9866-47331A7A7B4B}" dt="2025-12-19T23:42:13.526" v="4329" actId="26606"/>
-          <ac:spMkLst>
-            <pc:docMk/>
-            <pc:sldMk cId="3572818827" sldId="265"/>
-            <ac:spMk id="60" creationId="{531E865F-583A-41A7-8FC4-630555C081EA}"/>
-          </ac:spMkLst>
-        </pc:spChg>
-        <pc:spChg chg="add del">
-          <ac:chgData name="Garv ." userId="517ebc9b-5a76-4003-9b3c-a98d08664bbd" providerId="ADAL" clId="{F659861F-A15D-5394-9866-47331A7A7B4B}" dt="2025-12-19T23:42:04.996" v="4324" actId="26606"/>
-          <ac:spMkLst>
-            <pc:docMk/>
-            <pc:sldMk cId="3572818827" sldId="265"/>
-            <ac:spMk id="86" creationId="{685D77DF-610F-4D0F-A3D2-4FBBC96640E4}"/>
-          </ac:spMkLst>
-        </pc:spChg>
-        <pc:spChg chg="add del">
-          <ac:chgData name="Garv ." userId="517ebc9b-5a76-4003-9b3c-a98d08664bbd" providerId="ADAL" clId="{F659861F-A15D-5394-9866-47331A7A7B4B}" dt="2025-12-19T23:42:04.996" v="4324" actId="26606"/>
-          <ac:spMkLst>
-            <pc:docMk/>
-            <pc:sldMk cId="3572818827" sldId="265"/>
-            <ac:spMk id="88" creationId="{2513384B-399F-47B1-9ABD-172607AA4E6E}"/>
-          </ac:spMkLst>
-        </pc:spChg>
-        <pc:spChg chg="add del">
-          <ac:chgData name="Garv ." userId="517ebc9b-5a76-4003-9b3c-a98d08664bbd" providerId="ADAL" clId="{F659861F-A15D-5394-9866-47331A7A7B4B}" dt="2025-12-19T23:42:11.556" v="4327" actId="26606"/>
-          <ac:spMkLst>
-            <pc:docMk/>
-            <pc:sldMk cId="3572818827" sldId="265"/>
-            <ac:spMk id="90" creationId="{584FD149-94B6-4257-AB5B-C478E6038F9E}"/>
-          </ac:spMkLst>
-        </pc:spChg>
-        <pc:spChg chg="add del">
-          <ac:chgData name="Garv ." userId="517ebc9b-5a76-4003-9b3c-a98d08664bbd" providerId="ADAL" clId="{F659861F-A15D-5394-9866-47331A7A7B4B}" dt="2025-12-19T23:42:11.556" v="4327" actId="26606"/>
-          <ac:spMkLst>
-            <pc:docMk/>
-            <pc:sldMk cId="3572818827" sldId="265"/>
-            <ac:spMk id="91" creationId="{4743F4F4-276D-4A4D-930A-0530386F9820}"/>
-          </ac:spMkLst>
-        </pc:spChg>
-        <pc:spChg chg="add del">
-          <ac:chgData name="Garv ." userId="517ebc9b-5a76-4003-9b3c-a98d08664bbd" providerId="ADAL" clId="{F659861F-A15D-5394-9866-47331A7A7B4B}" dt="2025-12-19T23:42:11.556" v="4327" actId="26606"/>
-          <ac:spMkLst>
-            <pc:docMk/>
-            <pc:sldMk cId="3572818827" sldId="265"/>
-            <ac:spMk id="92" creationId="{AA1386B8-14BD-4682-B537-BC9027D6EDCB}"/>
-          </ac:spMkLst>
-        </pc:spChg>
-        <pc:spChg chg="add del">
-          <ac:chgData name="Garv ." userId="517ebc9b-5a76-4003-9b3c-a98d08664bbd" providerId="ADAL" clId="{F659861F-A15D-5394-9866-47331A7A7B4B}" dt="2025-12-19T23:42:13.526" v="4329" actId="26606"/>
-          <ac:spMkLst>
-            <pc:docMk/>
-            <pc:sldMk cId="3572818827" sldId="265"/>
-            <ac:spMk id="94" creationId="{35879851-1A1D-4246-AAA1-C484E858337D}"/>
-          </ac:spMkLst>
-        </pc:spChg>
-        <pc:spChg chg="add del">
-          <ac:chgData name="Garv ." userId="517ebc9b-5a76-4003-9b3c-a98d08664bbd" providerId="ADAL" clId="{F659861F-A15D-5394-9866-47331A7A7B4B}" dt="2025-12-19T23:42:13.526" v="4329" actId="26606"/>
-          <ac:spMkLst>
-            <pc:docMk/>
-            <pc:sldMk cId="3572818827" sldId="265"/>
-            <ac:spMk id="95" creationId="{047FC0EE-347A-48CD-B437-8E3C1E68071C}"/>
-          </ac:spMkLst>
-        </pc:spChg>
-        <pc:spChg chg="add del">
-          <ac:chgData name="Garv ." userId="517ebc9b-5a76-4003-9b3c-a98d08664bbd" providerId="ADAL" clId="{F659861F-A15D-5394-9866-47331A7A7B4B}" dt="2025-12-19T23:42:19.423" v="4331" actId="26606"/>
-          <ac:spMkLst>
-            <pc:docMk/>
-            <pc:sldMk cId="3572818827" sldId="265"/>
-            <ac:spMk id="97" creationId="{2B258D2B-6AC3-4B3A-A87C-FD7E6517826E}"/>
-          </ac:spMkLst>
-        </pc:spChg>
-        <pc:spChg chg="add del">
-          <ac:chgData name="Garv ." userId="517ebc9b-5a76-4003-9b3c-a98d08664bbd" providerId="ADAL" clId="{F659861F-A15D-5394-9866-47331A7A7B4B}" dt="2025-12-19T23:42:19.423" v="4331" actId="26606"/>
-          <ac:spMkLst>
-            <pc:docMk/>
-            <pc:sldMk cId="3572818827" sldId="265"/>
-            <ac:spMk id="98" creationId="{8D55DD8B-9BF9-4B91-A22D-2D3F2AEFF189}"/>
-          </ac:spMkLst>
-        </pc:spChg>
-        <pc:spChg chg="add del">
-          <ac:chgData name="Garv ." userId="517ebc9b-5a76-4003-9b3c-a98d08664bbd" providerId="ADAL" clId="{F659861F-A15D-5394-9866-47331A7A7B4B}" dt="2025-12-19T23:42:20.654" v="4334" actId="26606"/>
-          <ac:spMkLst>
-            <pc:docMk/>
-            <pc:sldMk cId="3572818827" sldId="265"/>
-            <ac:spMk id="100" creationId="{A45303F1-AF94-4311-B5EF-A9C5F6D18D94}"/>
-          </ac:spMkLst>
-        </pc:spChg>
-        <pc:spChg chg="add del">
-          <ac:chgData name="Garv ." userId="517ebc9b-5a76-4003-9b3c-a98d08664bbd" providerId="ADAL" clId="{F659861F-A15D-5394-9866-47331A7A7B4B}" dt="2025-12-19T23:42:20.654" v="4334" actId="26606"/>
-          <ac:spMkLst>
-            <pc:docMk/>
-            <pc:sldMk cId="3572818827" sldId="265"/>
-            <ac:spMk id="101" creationId="{11310D98-E16D-4AA1-8834-28F2202C0CC3}"/>
-          </ac:spMkLst>
-        </pc:spChg>
-        <pc:spChg chg="add del">
-          <ac:chgData name="Garv ." userId="517ebc9b-5a76-4003-9b3c-a98d08664bbd" providerId="ADAL" clId="{F659861F-A15D-5394-9866-47331A7A7B4B}" dt="2025-12-19T23:42:20.654" v="4334" actId="26606"/>
-          <ac:spMkLst>
-            <pc:docMk/>
-            <pc:sldMk cId="3572818827" sldId="265"/>
-            <ac:spMk id="102" creationId="{5B65E675-687B-4B31-9CB4-880C4620538F}"/>
-          </ac:spMkLst>
-        </pc:spChg>
-        <pc:spChg chg="add del">
-          <ac:chgData name="Garv ." userId="517ebc9b-5a76-4003-9b3c-a98d08664bbd" providerId="ADAL" clId="{F659861F-A15D-5394-9866-47331A7A7B4B}" dt="2025-12-19T23:42:26.849" v="4336" actId="26606"/>
-          <ac:spMkLst>
-            <pc:docMk/>
-            <pc:sldMk cId="3572818827" sldId="265"/>
-            <ac:spMk id="104" creationId="{7A5FC171-5EF1-470A-B19B-DB937973D2A7}"/>
-          </ac:spMkLst>
-        </pc:spChg>
-        <pc:spChg chg="add del">
-          <ac:chgData name="Garv ." userId="517ebc9b-5a76-4003-9b3c-a98d08664bbd" providerId="ADAL" clId="{F659861F-A15D-5394-9866-47331A7A7B4B}" dt="2025-12-19T23:42:26.849" v="4336" actId="26606"/>
-          <ac:spMkLst>
-            <pc:docMk/>
-            <pc:sldMk cId="3572818827" sldId="265"/>
-            <ac:spMk id="105" creationId="{685D77DF-610F-4D0F-A3D2-4FBBC96640E4}"/>
-          </ac:spMkLst>
-        </pc:spChg>
-        <pc:spChg chg="add del">
-          <ac:chgData name="Garv ." userId="517ebc9b-5a76-4003-9b3c-a98d08664bbd" providerId="ADAL" clId="{F659861F-A15D-5394-9866-47331A7A7B4B}" dt="2025-12-19T23:42:26.849" v="4336" actId="26606"/>
-          <ac:spMkLst>
-            <pc:docMk/>
-            <pc:sldMk cId="3572818827" sldId="265"/>
-            <ac:spMk id="106" creationId="{2513384B-399F-47B1-9ABD-172607AA4E6E}"/>
-          </ac:spMkLst>
-        </pc:spChg>
-        <pc:grpChg chg="add del">
-          <ac:chgData name="Garv ." userId="517ebc9b-5a76-4003-9b3c-a98d08664bbd" providerId="ADAL" clId="{F659861F-A15D-5394-9866-47331A7A7B4B}" dt="2025-12-19T23:06:41.706" v="2842" actId="26606"/>
-          <ac:grpSpMkLst>
-            <pc:docMk/>
-            <pc:sldMk cId="3572818827" sldId="265"/>
-            <ac:grpSpMk id="11" creationId="{AAD68EE7-6E6F-4168-83FE-BCDDC20F569D}"/>
-          </ac:grpSpMkLst>
-        </pc:grpChg>
-        <pc:grpChg chg="add del">
-          <ac:chgData name="Garv ." userId="517ebc9b-5a76-4003-9b3c-a98d08664bbd" providerId="ADAL" clId="{F659861F-A15D-5394-9866-47331A7A7B4B}" dt="2025-12-19T23:05:57.146" v="2830" actId="26606"/>
-          <ac:grpSpMkLst>
-            <pc:docMk/>
-            <pc:sldMk cId="3572818827" sldId="265"/>
-            <ac:grpSpMk id="12" creationId="{AAD68EE7-6E6F-4168-83FE-BCDDC20F569D}"/>
-          </ac:grpSpMkLst>
-        </pc:grpChg>
-        <pc:grpChg chg="add del">
-          <ac:chgData name="Garv ." userId="517ebc9b-5a76-4003-9b3c-a98d08664bbd" providerId="ADAL" clId="{F659861F-A15D-5394-9866-47331A7A7B4B}" dt="2025-12-19T23:05:57.146" v="2830" actId="26606"/>
-          <ac:grpSpMkLst>
-            <pc:docMk/>
-            <pc:sldMk cId="3572818827" sldId="265"/>
-            <ac:grpSpMk id="26" creationId="{4D8D5B2B-7539-4692-96C7-956FDD481D65}"/>
-          </ac:grpSpMkLst>
-        </pc:grpChg>
-        <pc:grpChg chg="add del">
-          <ac:chgData name="Garv ." userId="517ebc9b-5a76-4003-9b3c-a98d08664bbd" providerId="ADAL" clId="{F659861F-A15D-5394-9866-47331A7A7B4B}" dt="2025-12-19T23:06:41.706" v="2842" actId="26606"/>
-          <ac:grpSpMkLst>
-            <pc:docMk/>
-            <pc:sldMk cId="3572818827" sldId="265"/>
-            <ac:grpSpMk id="41" creationId="{4D8D5B2B-7539-4692-96C7-956FDD481D65}"/>
-          </ac:grpSpMkLst>
-        </pc:grpChg>
-        <pc:grpChg chg="add del">
-          <ac:chgData name="Garv ." userId="517ebc9b-5a76-4003-9b3c-a98d08664bbd" providerId="ADAL" clId="{F659861F-A15D-5394-9866-47331A7A7B4B}" dt="2025-12-19T23:42:04.996" v="4324" actId="26606"/>
-          <ac:grpSpMkLst>
-            <pc:docMk/>
-            <pc:sldMk cId="3572818827" sldId="265"/>
-            <ac:grpSpMk id="58" creationId="{AAD68EE7-6E6F-4168-83FE-BCDDC20F569D}"/>
-          </ac:grpSpMkLst>
-        </pc:grpChg>
-        <pc:grpChg chg="add del">
-          <ac:chgData name="Garv ." userId="517ebc9b-5a76-4003-9b3c-a98d08664bbd" providerId="ADAL" clId="{F659861F-A15D-5394-9866-47331A7A7B4B}" dt="2025-12-19T23:42:04.996" v="4324" actId="26606"/>
-          <ac:grpSpMkLst>
-            <pc:docMk/>
-            <pc:sldMk cId="3572818827" sldId="265"/>
-            <ac:grpSpMk id="72" creationId="{4D8D5B2B-7539-4692-96C7-956FDD481D65}"/>
-          </ac:grpSpMkLst>
-        </pc:grpChg>
-        <pc:picChg chg="add del mod ord">
-          <ac:chgData name="Garv ." userId="517ebc9b-5a76-4003-9b3c-a98d08664bbd" providerId="ADAL" clId="{F659861F-A15D-5394-9866-47331A7A7B4B}" dt="2025-12-19T23:08:21.757" v="2863" actId="931"/>
-          <ac:picMkLst>
-            <pc:docMk/>
-            <pc:sldMk cId="3572818827" sldId="265"/>
-            <ac:picMk id="5" creationId="{C29C9216-443D-9E26-9AF1-88A2BCD0C596}"/>
-          </ac:picMkLst>
-        </pc:picChg>
-        <pc:picChg chg="add del mod ord">
-          <ac:chgData name="Garv ." userId="517ebc9b-5a76-4003-9b3c-a98d08664bbd" providerId="ADAL" clId="{F659861F-A15D-5394-9866-47331A7A7B4B}" dt="2025-12-19T23:41:47.802" v="4319" actId="478"/>
-          <ac:picMkLst>
-            <pc:docMk/>
-            <pc:sldMk cId="3572818827" sldId="265"/>
-            <ac:picMk id="49" creationId="{F59F1272-08EA-1194-D244-7382A8568B54}"/>
-          </ac:picMkLst>
-        </pc:picChg>
         <pc:picChg chg="add mod ord">
           <ac:chgData name="Garv ." userId="517ebc9b-5a76-4003-9b3c-a98d08664bbd" providerId="ADAL" clId="{F659861F-A15D-5394-9866-47331A7A7B4B}" dt="2025-12-19T23:44:26.774" v="4367" actId="1076"/>
           <ac:picMkLst>
@@ -1018,7 +682,7 @@
           <a:p>
             <a:fld id="{D6BB672D-9F3E-8541-8BB8-F7B4BE0B57DD}" type="datetimeFigureOut">
               <a:rPr lang="en-US" smtClean="0"/>
-              <a:t>12/19/25</a:t>
+              <a:t>12/20/25</a:t>
             </a:fld>
             <a:endParaRPr lang="en-US"/>
           </a:p>
@@ -1557,7 +1221,7 @@
           <a:p>
             <a:fld id="{D1D1EADE-8E88-4C7C-8AC5-FB148DE4940E}" type="datetime1">
               <a:rPr lang="en-US" smtClean="0"/>
-              <a:t>12/19/25</a:t>
+              <a:t>12/20/25</a:t>
             </a:fld>
             <a:endParaRPr lang="en-US"/>
           </a:p>
@@ -1902,7 +1566,7 @@
           <a:p>
             <a:fld id="{E31BA835-12AC-4E8F-955A-EA3F4DE2791F}" type="datetime1">
               <a:rPr lang="en-US" smtClean="0"/>
-              <a:t>12/19/25</a:t>
+              <a:t>12/20/25</a:t>
             </a:fld>
             <a:endParaRPr lang="en-US"/>
           </a:p>
@@ -2304,7 +1968,7 @@
           <a:p>
             <a:fld id="{E31BA835-12AC-4E8F-955A-EA3F4DE2791F}" type="datetime1">
               <a:rPr lang="en-US" smtClean="0"/>
-              <a:t>12/19/25</a:t>
+              <a:t>12/20/25</a:t>
             </a:fld>
             <a:endParaRPr lang="en-US"/>
           </a:p>
@@ -2641,7 +2305,7 @@
           <a:p>
             <a:fld id="{E31BA835-12AC-4E8F-955A-EA3F4DE2791F}" type="datetime1">
               <a:rPr lang="en-US" smtClean="0"/>
-              <a:t>12/19/25</a:t>
+              <a:t>12/20/25</a:t>
             </a:fld>
             <a:endParaRPr lang="en-US"/>
           </a:p>
@@ -2962,7 +2626,7 @@
           <a:p>
             <a:fld id="{E31BA835-12AC-4E8F-955A-EA3F4DE2791F}" type="datetime1">
               <a:rPr lang="en-US" smtClean="0"/>
-              <a:t>12/19/25</a:t>
+              <a:t>12/20/25</a:t>
             </a:fld>
             <a:endParaRPr lang="en-US"/>
           </a:p>
@@ -3359,7 +3023,7 @@
           <a:p>
             <a:fld id="{E31BA835-12AC-4E8F-955A-EA3F4DE2791F}" type="datetime1">
               <a:rPr lang="en-US" smtClean="0"/>
-              <a:t>12/19/25</a:t>
+              <a:t>12/20/25</a:t>
             </a:fld>
             <a:endParaRPr lang="en-US"/>
           </a:p>
@@ -3617,7 +3281,7 @@
           <a:p>
             <a:fld id="{EC3C8B9C-477D-492A-96AD-1FC2CC997A73}" type="datetime1">
               <a:rPr lang="en-US" smtClean="0"/>
-              <a:t>12/19/25</a:t>
+              <a:t>12/20/25</a:t>
             </a:fld>
             <a:endParaRPr lang="en-US"/>
           </a:p>
@@ -3879,7 +3543,7 @@
           <a:p>
             <a:fld id="{42D3AED5-E26D-4E29-B1B3-7847B6779594}" type="datetime1">
               <a:rPr lang="en-US" smtClean="0"/>
-              <a:t>12/19/25</a:t>
+              <a:t>12/20/25</a:t>
             </a:fld>
             <a:endParaRPr lang="en-US"/>
           </a:p>
@@ -4141,7 +3805,7 @@
           <a:p>
             <a:fld id="{157B6794-849E-4626-908B-D15793550EFB}" type="datetime1">
               <a:rPr lang="en-US" smtClean="0"/>
-              <a:t>12/19/25</a:t>
+              <a:t>12/20/25</a:t>
             </a:fld>
             <a:endParaRPr lang="en-US"/>
           </a:p>
@@ -4477,7 +4141,7 @@
           <a:p>
             <a:fld id="{63DB64E7-5594-42A3-ADBF-E95A7ACEAD64}" type="datetime1">
               <a:rPr lang="en-US" smtClean="0"/>
-              <a:t>12/19/25</a:t>
+              <a:t>12/20/25</a:t>
             </a:fld>
             <a:endParaRPr lang="en-US"/>
           </a:p>
@@ -4800,7 +4464,7 @@
           <a:p>
             <a:fld id="{18462B0B-D248-4FFB-8695-AD7FA4B1284A}" type="datetime1">
               <a:rPr lang="en-US" smtClean="0"/>
-              <a:t>12/19/25</a:t>
+              <a:t>12/20/25</a:t>
             </a:fld>
             <a:endParaRPr lang="en-US"/>
           </a:p>
@@ -5257,7 +4921,7 @@
           <a:p>
             <a:fld id="{D0378EFB-9159-4510-B73F-4F0409ADE937}" type="datetime1">
               <a:rPr lang="en-US" smtClean="0"/>
-              <a:t>12/19/25</a:t>
+              <a:t>12/20/25</a:t>
             </a:fld>
             <a:endParaRPr lang="en-US"/>
           </a:p>
@@ -5462,7 +5126,7 @@
           <a:p>
             <a:fld id="{89BC9412-2452-4BED-A324-9D8C115361AD}" type="datetime1">
               <a:rPr lang="en-US" smtClean="0"/>
-              <a:t>12/19/25</a:t>
+              <a:t>12/20/25</a:t>
             </a:fld>
             <a:endParaRPr lang="en-US"/>
           </a:p>
@@ -5639,7 +5303,7 @@
           <a:p>
             <a:fld id="{F5318F62-D251-40E8-A23C-F4CFE9FEAB41}" type="datetime1">
               <a:rPr lang="en-US" smtClean="0"/>
-              <a:t>12/19/25</a:t>
+              <a:t>12/20/25</a:t>
             </a:fld>
             <a:endParaRPr lang="en-US"/>
           </a:p>
@@ -5972,7 +5636,7 @@
           <a:p>
             <a:fld id="{44F76144-149E-4874-93A5-554A0357CF82}" type="datetime1">
               <a:rPr lang="en-US" smtClean="0"/>
-              <a:t>12/19/25</a:t>
+              <a:t>12/20/25</a:t>
             </a:fld>
             <a:endParaRPr lang="en-US"/>
           </a:p>
@@ -6317,7 +5981,7 @@
           <a:p>
             <a:fld id="{50BA65D8-0540-4835-AE5C-25D29DBA01BE}" type="datetime1">
               <a:rPr lang="en-US" smtClean="0"/>
-              <a:t>12/19/25</a:t>
+              <a:t>12/20/25</a:t>
             </a:fld>
             <a:endParaRPr lang="en-US"/>
           </a:p>
@@ -8609,7 +8273,7 @@
           <a:p>
             <a:fld id="{E31BA835-12AC-4E8F-955A-EA3F4DE2791F}" type="datetime1">
               <a:rPr lang="en-US" smtClean="0"/>
-              <a:t>12/19/25</a:t>
+              <a:t>12/20/25</a:t>
             </a:fld>
             <a:endParaRPr lang="en-US"/>
           </a:p>
@@ -9253,8 +8917,8 @@
         </p:nvSpPr>
         <p:spPr>
           <a:xfrm>
-            <a:off x="9829799" y="6460076"/>
-            <a:ext cx="2362200" cy="397923"/>
+            <a:off x="9452610" y="6460076"/>
+            <a:ext cx="2739389" cy="400110"/>
           </a:xfrm>
           <a:prstGeom prst="rect">
             <a:avLst/>
@@ -9277,7 +8941,7 @@
             <a:pPr algn="r"/>
             <a:r>
               <a:rPr lang="en-US" sz="1000" i="1" dirty="0"/>
-              <a:t>Data Analyst Project | Winter 2025</a:t>
+              <a:t>Data Analyst Project | December 2025</a:t>
             </a:r>
           </a:p>
         </p:txBody>
@@ -9652,13 +9316,13 @@
   <p:clrMapOvr>
     <a:masterClrMapping/>
   </p:clrMapOvr>
-  <mc:AlternateContent xmlns:mc="http://schemas.openxmlformats.org/markup-compatibility/2006">
-    <mc:Choice xmlns:p159="http://schemas.microsoft.com/office/powerpoint/2015/09/main" Requires="p159">
+  <mc:AlternateContent xmlns:mc="http://schemas.openxmlformats.org/markup-compatibility/2006" xmlns:p159="http://schemas.microsoft.com/office/powerpoint/2015/09/main">
+    <mc:Choice Requires="p159">
       <p:transition xmlns:p14="http://schemas.microsoft.com/office/powerpoint/2010/main" spd="slow" p14:dur="2000">
         <p159:morph option="byObject"/>
       </p:transition>
     </mc:Choice>
-    <mc:Fallback>
+    <mc:Fallback xmlns="">
       <p:transition spd="slow">
         <p:fade/>
       </p:transition>
@@ -10010,13 +9674,13 @@
   <p:clrMapOvr>
     <a:masterClrMapping/>
   </p:clrMapOvr>
-  <mc:AlternateContent xmlns:mc="http://schemas.openxmlformats.org/markup-compatibility/2006">
-    <mc:Choice xmlns:p159="http://schemas.microsoft.com/office/powerpoint/2015/09/main" Requires="p159">
+  <mc:AlternateContent xmlns:mc="http://schemas.openxmlformats.org/markup-compatibility/2006" xmlns:p159="http://schemas.microsoft.com/office/powerpoint/2015/09/main">
+    <mc:Choice Requires="p159">
       <p:transition xmlns:p14="http://schemas.microsoft.com/office/powerpoint/2010/main" spd="slow" p14:dur="2000">
         <p159:morph option="byObject"/>
       </p:transition>
     </mc:Choice>
-    <mc:Fallback>
+    <mc:Fallback xmlns="">
       <p:transition spd="slow">
         <p:fade/>
       </p:transition>
@@ -10210,13 +9874,13 @@
   <p:clrMapOvr>
     <a:masterClrMapping/>
   </p:clrMapOvr>
-  <mc:AlternateContent xmlns:mc="http://schemas.openxmlformats.org/markup-compatibility/2006">
-    <mc:Choice xmlns:p159="http://schemas.microsoft.com/office/powerpoint/2015/09/main" Requires="p159">
+  <mc:AlternateContent xmlns:mc="http://schemas.openxmlformats.org/markup-compatibility/2006" xmlns:p159="http://schemas.microsoft.com/office/powerpoint/2015/09/main">
+    <mc:Choice Requires="p159">
       <p:transition xmlns:p14="http://schemas.microsoft.com/office/powerpoint/2010/main" spd="slow" p14:dur="2000">
         <p159:morph option="byObject"/>
       </p:transition>
     </mc:Choice>
-    <mc:Fallback>
+    <mc:Fallback xmlns="">
       <p:transition spd="slow">
         <p:fade/>
       </p:transition>
@@ -10530,13 +10194,13 @@
   <p:clrMapOvr>
     <a:masterClrMapping/>
   </p:clrMapOvr>
-  <mc:AlternateContent xmlns:mc="http://schemas.openxmlformats.org/markup-compatibility/2006">
-    <mc:Choice xmlns:p14="http://schemas.microsoft.com/office/powerpoint/2010/main" Requires="p14">
+  <mc:AlternateContent xmlns:mc="http://schemas.openxmlformats.org/markup-compatibility/2006" xmlns:p14="http://schemas.microsoft.com/office/powerpoint/2010/main">
+    <mc:Choice Requires="p14">
       <p:transition spd="slow" p14:dur="1500">
         <p:split orient="vert"/>
       </p:transition>
     </mc:Choice>
-    <mc:Fallback>
+    <mc:Fallback xmlns="">
       <p:transition spd="slow">
         <p:split orient="vert"/>
       </p:transition>
@@ -11557,13 +11221,13 @@
   <p:clrMapOvr>
     <a:masterClrMapping/>
   </p:clrMapOvr>
-  <mc:AlternateContent xmlns:mc="http://schemas.openxmlformats.org/markup-compatibility/2006">
-    <mc:Choice xmlns:p159="http://schemas.microsoft.com/office/powerpoint/2015/09/main" Requires="p159">
+  <mc:AlternateContent xmlns:mc="http://schemas.openxmlformats.org/markup-compatibility/2006" xmlns:p159="http://schemas.microsoft.com/office/powerpoint/2015/09/main">
+    <mc:Choice Requires="p159">
       <p:transition xmlns:p14="http://schemas.microsoft.com/office/powerpoint/2010/main" spd="slow" p14:dur="2000">
         <p159:morph option="byObject"/>
       </p:transition>
     </mc:Choice>
-    <mc:Fallback>
+    <mc:Fallback xmlns="">
       <p:transition spd="slow">
         <p:fade/>
       </p:transition>
